--- a/19-covariabilidad-raphael.pptx
+++ b/19-covariabilidad-raphael.pptx
@@ -17,6 +17,11 @@
     <p:sldId id="262" r:id="rId8"/>
     <p:sldId id="263" r:id="rId9"/>
     <p:sldId id="264" r:id="rId10"/>
+    <p:sldId id="265" r:id="rId11"/>
+    <p:sldId id="266" r:id="rId12"/>
+    <p:sldId id="267" r:id="rId13"/>
+    <p:sldId id="268" r:id="rId14"/>
+    <p:sldId id="269" r:id="rId15"/>
   </p:sldIdLst>
   <p:sldSz cx="12189460" cy="6858000"/>
   <p:notesSz cx="9144000" cy="6858000"/>
@@ -4846,6 +4851,274 @@
 </p:sld>
 </file>
 
+<file path=ppt/slides/slide10.xml><?xml version="1.0" encoding="utf-8"?>
+<p:sld xmlns:a="http://schemas.openxmlformats.org/drawingml/2006/main" xmlns:r="http://schemas.openxmlformats.org/officeDocument/2006/relationships" xmlns:p="http://schemas.openxmlformats.org/presentationml/2006/main">
+  <p:cSld>
+    <p:spTree>
+      <p:nvGrpSpPr>
+        <p:cNvPr id="1" name=""/>
+        <p:cNvGrpSpPr/>
+        <p:nvPr/>
+      </p:nvGrpSpPr>
+      <p:grpSpPr>
+        <a:xfrm>
+          <a:off x="0" y="0"/>
+          <a:ext cx="0" cy="0"/>
+          <a:chOff x="0" y="0"/>
+          <a:chExt cx="0" cy="0"/>
+        </a:xfrm>
+      </p:grpSpPr>
+      <p:sp>
+        <p:nvSpPr>
+          <p:cNvPr id="3" name="Content Placeholder 2"/>
+          <p:cNvSpPr>
+            <a:spLocks noGrp="1"/>
+          </p:cNvSpPr>
+          <p:nvPr>
+            <p:ph idx="1"/>
+          </p:nvPr>
+        </p:nvSpPr>
+        <p:spPr/>
+        <p:txBody>
+          <a:bodyPr/>
+          <a:lstStyle/>
+          <a:p>
+            <a:pPr lvl="0" marL="0" indent="0">
+              <a:buNone/>
+            </a:pPr>
+            <a:r>
+              <a:rPr/>
+              <a:t>Otra cosa… Datos diarios con media móvil de 31 días -&gt; EOF complejo en 200 hPa.</a:t>
+            </a:r>
+          </a:p>
+          <a:p>
+            <a:pPr lvl="0" marL="1270000" indent="0">
+              <a:buNone/>
+            </a:pPr>
+            <a:r>
+              <a:rPr sz="1800">
+                <a:latin typeface="Courier"/>
+              </a:rPr>
+              <a:t>##           used  (Mb) gc trigger  (Mb) max used (Mb)
+## Ncells 2678291 143.1    4156147 222.0  4156147  222
+## Vcells 4559327  34.8   10146329  77.5  8388608   64</a:t>
+            </a:r>
+          </a:p>
+        </p:txBody>
+      </p:sp>
+    </p:spTree>
+  </p:cSld>
+</p:sld>
+</file>
+
+<file path=ppt/slides/slide11.xml><?xml version="1.0" encoding="utf-8"?>
+<p:sld xmlns:a="http://schemas.openxmlformats.org/drawingml/2006/main" xmlns:r="http://schemas.openxmlformats.org/officeDocument/2006/relationships" xmlns:p="http://schemas.openxmlformats.org/presentationml/2006/main">
+  <p:cSld>
+    <p:spTree>
+      <p:nvGrpSpPr>
+        <p:cNvPr id="1" name=""/>
+        <p:cNvGrpSpPr/>
+        <p:nvPr/>
+      </p:nvGrpSpPr>
+      <p:grpSpPr>
+        <a:xfrm>
+          <a:off x="0" y="0"/>
+          <a:ext cx="0" cy="0"/>
+          <a:chOff x="0" y="0"/>
+          <a:chExt cx="0" cy="0"/>
+        </a:xfrm>
+      </p:grpSpPr>
+      <p:pic>
+        <p:nvPicPr>
+          <p:cNvPr descr="fig/19-covariabilidad-raphael/unnamed-chunk-8-1.png" id="0" name="Picture 1"/>
+          <p:cNvPicPr>
+            <a:picLocks noGrp="1" noChangeAspect="1"/>
+          </p:cNvPicPr>
+          <p:nvPr/>
+        </p:nvPicPr>
+        <p:blipFill>
+          <a:blip r:embed="rId2"/>
+          <a:stretch>
+            <a:fillRect/>
+          </a:stretch>
+        </p:blipFill>
+        <p:spPr bwMode="auto">
+          <a:xfrm>
+            <a:off x="558800" y="127000"/>
+            <a:ext cx="11023600" cy="6540500"/>
+          </a:xfrm>
+          <a:prstGeom prst="rect">
+            <a:avLst/>
+          </a:prstGeom>
+          <a:noFill/>
+          <a:ln w="9525">
+            <a:noFill/>
+            <a:headEnd/>
+            <a:tailEnd/>
+          </a:ln>
+        </p:spPr>
+      </p:pic>
+    </p:spTree>
+  </p:cSld>
+</p:sld>
+</file>
+
+<file path=ppt/slides/slide12.xml><?xml version="1.0" encoding="utf-8"?>
+<p:sld xmlns:a="http://schemas.openxmlformats.org/drawingml/2006/main" xmlns:r="http://schemas.openxmlformats.org/officeDocument/2006/relationships" xmlns:p="http://schemas.openxmlformats.org/presentationml/2006/main">
+  <p:cSld>
+    <p:spTree>
+      <p:nvGrpSpPr>
+        <p:cNvPr id="1" name=""/>
+        <p:cNvGrpSpPr/>
+        <p:nvPr/>
+      </p:nvGrpSpPr>
+      <p:grpSpPr>
+        <a:xfrm>
+          <a:off x="0" y="0"/>
+          <a:ext cx="0" cy="0"/>
+          <a:chOff x="0" y="0"/>
+          <a:chExt cx="0" cy="0"/>
+        </a:xfrm>
+      </p:grpSpPr>
+      <p:pic>
+        <p:nvPicPr>
+          <p:cNvPr descr="fig/19-covariabilidad-raphael/unnamed-chunk-9-1.png" id="0" name="Picture 1"/>
+          <p:cNvPicPr>
+            <a:picLocks noGrp="1" noChangeAspect="1"/>
+          </p:cNvPicPr>
+          <p:nvPr/>
+        </p:nvPicPr>
+        <p:blipFill>
+          <a:blip r:embed="rId2"/>
+          <a:stretch>
+            <a:fillRect/>
+          </a:stretch>
+        </p:blipFill>
+        <p:spPr bwMode="auto">
+          <a:xfrm>
+            <a:off x="558800" y="127000"/>
+            <a:ext cx="11023600" cy="6540500"/>
+          </a:xfrm>
+          <a:prstGeom prst="rect">
+            <a:avLst/>
+          </a:prstGeom>
+          <a:noFill/>
+          <a:ln w="9525">
+            <a:noFill/>
+            <a:headEnd/>
+            <a:tailEnd/>
+          </a:ln>
+        </p:spPr>
+      </p:pic>
+    </p:spTree>
+  </p:cSld>
+</p:sld>
+</file>
+
+<file path=ppt/slides/slide13.xml><?xml version="1.0" encoding="utf-8"?>
+<p:sld xmlns:a="http://schemas.openxmlformats.org/drawingml/2006/main" xmlns:r="http://schemas.openxmlformats.org/officeDocument/2006/relationships" xmlns:p="http://schemas.openxmlformats.org/presentationml/2006/main">
+  <p:cSld>
+    <p:spTree>
+      <p:nvGrpSpPr>
+        <p:cNvPr id="1" name=""/>
+        <p:cNvGrpSpPr/>
+        <p:nvPr/>
+      </p:nvGrpSpPr>
+      <p:grpSpPr>
+        <a:xfrm>
+          <a:off x="0" y="0"/>
+          <a:ext cx="0" cy="0"/>
+          <a:chOff x="0" y="0"/>
+          <a:chExt cx="0" cy="0"/>
+        </a:xfrm>
+      </p:grpSpPr>
+      <p:pic>
+        <p:nvPicPr>
+          <p:cNvPr descr="fig/19-covariabilidad-raphael/unnamed-chunk-10-1.png" id="0" name="Picture 1"/>
+          <p:cNvPicPr>
+            <a:picLocks noGrp="1" noChangeAspect="1"/>
+          </p:cNvPicPr>
+          <p:nvPr/>
+        </p:nvPicPr>
+        <p:blipFill>
+          <a:blip r:embed="rId2"/>
+          <a:stretch>
+            <a:fillRect/>
+          </a:stretch>
+        </p:blipFill>
+        <p:spPr bwMode="auto">
+          <a:xfrm>
+            <a:off x="558800" y="127000"/>
+            <a:ext cx="11023600" cy="6540500"/>
+          </a:xfrm>
+          <a:prstGeom prst="rect">
+            <a:avLst/>
+          </a:prstGeom>
+          <a:noFill/>
+          <a:ln w="9525">
+            <a:noFill/>
+            <a:headEnd/>
+            <a:tailEnd/>
+          </a:ln>
+        </p:spPr>
+      </p:pic>
+    </p:spTree>
+  </p:cSld>
+</p:sld>
+</file>
+
+<file path=ppt/slides/slide14.xml><?xml version="1.0" encoding="utf-8"?>
+<p:sld xmlns:a="http://schemas.openxmlformats.org/drawingml/2006/main" xmlns:r="http://schemas.openxmlformats.org/officeDocument/2006/relationships" xmlns:p="http://schemas.openxmlformats.org/presentationml/2006/main">
+  <p:cSld>
+    <p:spTree>
+      <p:nvGrpSpPr>
+        <p:cNvPr id="1" name=""/>
+        <p:cNvGrpSpPr/>
+        <p:nvPr/>
+      </p:nvGrpSpPr>
+      <p:grpSpPr>
+        <a:xfrm>
+          <a:off x="0" y="0"/>
+          <a:ext cx="0" cy="0"/>
+          <a:chOff x="0" y="0"/>
+          <a:chExt cx="0" cy="0"/>
+        </a:xfrm>
+      </p:grpSpPr>
+      <p:pic>
+        <p:nvPicPr>
+          <p:cNvPr descr="fig/19-covariabilidad-raphael/unnamed-chunk-11-1.png" id="0" name="Picture 1"/>
+          <p:cNvPicPr>
+            <a:picLocks noGrp="1" noChangeAspect="1"/>
+          </p:cNvPicPr>
+          <p:nvPr/>
+        </p:nvPicPr>
+        <p:blipFill>
+          <a:blip r:embed="rId2"/>
+          <a:stretch>
+            <a:fillRect/>
+          </a:stretch>
+        </p:blipFill>
+        <p:spPr bwMode="auto">
+          <a:xfrm>
+            <a:off x="558800" y="127000"/>
+            <a:ext cx="11023600" cy="6540500"/>
+          </a:xfrm>
+          <a:prstGeom prst="rect">
+            <a:avLst/>
+          </a:prstGeom>
+          <a:noFill/>
+          <a:ln w="9525">
+            <a:noFill/>
+            <a:headEnd/>
+            <a:tailEnd/>
+          </a:ln>
+        </p:spPr>
+      </p:pic>
+    </p:spTree>
+  </p:cSld>
+</p:sld>
+</file>
+
 <file path=ppt/slides/slide2.xml><?xml version="1.0" encoding="utf-8"?>
 <p:sld xmlns:a="http://schemas.openxmlformats.org/drawingml/2006/main" xmlns:r="http://schemas.openxmlformats.org/officeDocument/2006/relationships" xmlns:p="http://schemas.openxmlformats.org/presentationml/2006/main">
   <p:cSld>

--- a/19-covariabilidad-raphael.pptx
+++ b/19-covariabilidad-raphael.pptx
@@ -4,24 +4,26 @@
   <p:sldMasterIdLst>
     <p:sldMasterId id="2147483648" r:id="rId1"/>
   </p:sldMasterIdLst>
-  <p:handoutMasterIdLst>
-    <p:handoutMasterId r:id="rId5"/>
-  </p:handoutMasterIdLst>
   <p:sldIdLst>
-    <p:sldId id="256" r:id="rId2"/>
-    <p:sldId id="257" r:id="rId3"/>
-    <p:sldId id="258" r:id="rId4"/>
-    <p:sldId id="259" r:id="rId5"/>
-    <p:sldId id="260" r:id="rId6"/>
-    <p:sldId id="261" r:id="rId7"/>
-    <p:sldId id="262" r:id="rId8"/>
-    <p:sldId id="263" r:id="rId9"/>
-    <p:sldId id="264" r:id="rId10"/>
-    <p:sldId id="265" r:id="rId11"/>
-    <p:sldId id="266" r:id="rId12"/>
-    <p:sldId id="267" r:id="rId13"/>
-    <p:sldId id="268" r:id="rId14"/>
-    <p:sldId id="269" r:id="rId15"/>
+    <p:sldId id="256" r:id="rId3"/>
+    <p:sldId id="257" r:id="rId4"/>
+    <p:sldId id="258" r:id="rId5"/>
+    <p:sldId id="259" r:id="rId6"/>
+    <p:sldId id="260" r:id="rId7"/>
+    <p:sldId id="261" r:id="rId8"/>
+    <p:sldId id="262" r:id="rId9"/>
+    <p:sldId id="263" r:id="rId10"/>
+    <p:sldId id="264" r:id="rId11"/>
+    <p:sldId id="265" r:id="rId12"/>
+    <p:sldId id="266" r:id="rId13"/>
+    <p:sldId id="267" r:id="rId14"/>
+    <p:sldId id="268" r:id="rId15"/>
+    <p:sldId id="269" r:id="rId16"/>
+    <p:sldId id="270" r:id="rId17"/>
+    <p:sldId id="271" r:id="rId18"/>
+    <p:sldId id="272" r:id="rId19"/>
+    <p:sldId id="273" r:id="rId20"/>
+    <p:sldId id="274" r:id="rId21"/>
   </p:sldIdLst>
   <p:sldSz cx="12189460" cy="6858000"/>
   <p:notesSz cx="9144000" cy="6858000"/>
@@ -4826,28 +4828,22 @@
           <a:bodyPr/>
           <a:lstStyle/>
           <a:p>
-            <a:pPr lvl="0" marL="0" indent="0">
+            <a:pPr marL="0" lvl="0" indent="0">
               <a:buNone/>
             </a:pPr>
             <a:br/>
             <a:br/>
             <a:r>
-              <a:rPr/>
-              <a:t>Elio</a:t>
-            </a:r>
-            <a:r>
-              <a:rPr/>
-              <a:t> </a:t>
-            </a:r>
-            <a:r>
-              <a:rPr/>
-              <a:t>Campitelli</a:t>
+              <a:t>Elio Campitelli</a:t>
             </a:r>
           </a:p>
         </p:txBody>
       </p:sp>
     </p:spTree>
   </p:cSld>
+  <p:clrMapOvr>
+    <a:masterClrMapping/>
+  </p:clrMapOvr>
 </p:sld>
 </file>
 
@@ -4883,31 +4879,20 @@
           <a:bodyPr/>
           <a:lstStyle/>
           <a:p>
-            <a:pPr lvl="0" marL="0" indent="0">
+            <a:pPr marL="0" lvl="0" indent="0">
               <a:buNone/>
             </a:pPr>
             <a:r>
-              <a:rPr/>
               <a:t>Otra cosa… Datos diarios con media móvil de 31 días -&gt; EOF complejo en 200 hPa.</a:t>
-            </a:r>
-          </a:p>
-          <a:p>
-            <a:pPr lvl="0" marL="1270000" indent="0">
-              <a:buNone/>
-            </a:pPr>
-            <a:r>
-              <a:rPr sz="1800">
-                <a:latin typeface="Courier"/>
-              </a:rPr>
-              <a:t>##           used  (Mb) gc trigger  (Mb) max used (Mb)
-## Ncells 2678291 143.1    4156147 222.0  4156147  222
-## Vcells 4559327  34.8   10146329  77.5  8388608   64</a:t>
             </a:r>
           </a:p>
         </p:txBody>
       </p:sp>
     </p:spTree>
   </p:cSld>
+  <p:clrMapOvr>
+    <a:masterClrMapping/>
+  </p:clrMapOvr>
 </p:sld>
 </file>
 
@@ -4930,22 +4915,22 @@
       </p:grpSpPr>
       <p:pic>
         <p:nvPicPr>
-          <p:cNvPr descr="fig/19-covariabilidad-raphael/unnamed-chunk-8-1.png" id="0" name="Picture 1"/>
+          <p:cNvPr id="0" name="Picture 1" descr="fig/19-covariabilidad-raphael/unnamed-chunk-8-1.png"/>
           <p:cNvPicPr>
             <a:picLocks noGrp="1" noChangeAspect="1"/>
           </p:cNvPicPr>
           <p:nvPr/>
         </p:nvPicPr>
         <p:blipFill>
-          <a:blip r:embed="rId2"/>
+          <a:blip r:embed="rId1"/>
           <a:stretch>
             <a:fillRect/>
           </a:stretch>
         </p:blipFill>
         <p:spPr bwMode="auto">
           <a:xfrm>
-            <a:off x="558800" y="127000"/>
-            <a:ext cx="11023600" cy="6540500"/>
+            <a:off x="977900" y="127000"/>
+            <a:ext cx="10160000" cy="6032500"/>
           </a:xfrm>
           <a:prstGeom prst="rect">
             <a:avLst/>
@@ -4953,13 +4938,43 @@
           <a:noFill/>
           <a:ln w="9525">
             <a:noFill/>
-            <a:headEnd/>
-            <a:tailEnd/>
           </a:ln>
         </p:spPr>
       </p:pic>
+      <p:sp>
+        <p:nvSpPr>
+          <p:cNvPr id="2" name="TextBox 3"/>
+          <p:cNvSpPr txBox="1"/>
+          <p:nvPr/>
+        </p:nvSpPr>
+        <p:spPr>
+          <a:xfrm>
+            <a:off x="177800" y="6159500"/>
+            <a:ext cx="11772900" cy="508000"/>
+          </a:xfrm>
+          <a:prstGeom prst="rect">
+            <a:avLst/>
+          </a:prstGeom>
+          <a:noFill/>
+        </p:spPr>
+        <p:txBody>
+          <a:bodyPr/>
+          <a:lstStyle/>
+          <a:p>
+            <a:pPr marL="0" lvl="0" indent="0" algn="ctr">
+              <a:buNone/>
+            </a:pPr>
+            <a:r>
+              <a:t>Patrones espaciales de EOF complejos</a:t>
+            </a:r>
+          </a:p>
+        </p:txBody>
+      </p:sp>
     </p:spTree>
   </p:cSld>
+  <p:clrMapOvr>
+    <a:masterClrMapping/>
+  </p:clrMapOvr>
 </p:sld>
 </file>
 
@@ -4982,22 +4997,22 @@
       </p:grpSpPr>
       <p:pic>
         <p:nvPicPr>
-          <p:cNvPr descr="fig/19-covariabilidad-raphael/unnamed-chunk-9-1.png" id="0" name="Picture 1"/>
+          <p:cNvPr id="0" name="Picture 1" descr="fig/19-covariabilidad-raphael/unnamed-chunk-9-1.png"/>
           <p:cNvPicPr>
             <a:picLocks noGrp="1" noChangeAspect="1"/>
           </p:cNvPicPr>
           <p:nvPr/>
         </p:nvPicPr>
         <p:blipFill>
-          <a:blip r:embed="rId2"/>
+          <a:blip r:embed="rId1"/>
           <a:stretch>
             <a:fillRect/>
           </a:stretch>
         </p:blipFill>
         <p:spPr bwMode="auto">
           <a:xfrm>
-            <a:off x="558800" y="127000"/>
-            <a:ext cx="11023600" cy="6540500"/>
+            <a:off x="977900" y="127000"/>
+            <a:ext cx="10160000" cy="6032500"/>
           </a:xfrm>
           <a:prstGeom prst="rect">
             <a:avLst/>
@@ -5005,13 +5020,43 @@
           <a:noFill/>
           <a:ln w="9525">
             <a:noFill/>
-            <a:headEnd/>
-            <a:tailEnd/>
           </a:ln>
         </p:spPr>
       </p:pic>
+      <p:sp>
+        <p:nvSpPr>
+          <p:cNvPr id="2" name="TextBox 3"/>
+          <p:cNvSpPr txBox="1"/>
+          <p:nvPr/>
+        </p:nvSpPr>
+        <p:spPr>
+          <a:xfrm>
+            <a:off x="177800" y="6159500"/>
+            <a:ext cx="11772900" cy="508000"/>
+          </a:xfrm>
+          <a:prstGeom prst="rect">
+            <a:avLst/>
+          </a:prstGeom>
+          <a:noFill/>
+        </p:spPr>
+        <p:txBody>
+          <a:bodyPr/>
+          <a:lstStyle/>
+          <a:p>
+            <a:pPr marL="0" lvl="0" indent="0" algn="ctr">
+              <a:buNone/>
+            </a:pPr>
+            <a:r>
+              <a:t>Series temporales</a:t>
+            </a:r>
+          </a:p>
+        </p:txBody>
+      </p:sp>
     </p:spTree>
   </p:cSld>
+  <p:clrMapOvr>
+    <a:masterClrMapping/>
+  </p:clrMapOvr>
 </p:sld>
 </file>
 
@@ -5034,22 +5079,22 @@
       </p:grpSpPr>
       <p:pic>
         <p:nvPicPr>
-          <p:cNvPr descr="fig/19-covariabilidad-raphael/unnamed-chunk-10-1.png" id="0" name="Picture 1"/>
+          <p:cNvPr id="0" name="Picture 1" descr="fig/19-covariabilidad-raphael/unnamed-chunk-11-1.png"/>
           <p:cNvPicPr>
             <a:picLocks noGrp="1" noChangeAspect="1"/>
           </p:cNvPicPr>
           <p:nvPr/>
         </p:nvPicPr>
         <p:blipFill>
-          <a:blip r:embed="rId2"/>
+          <a:blip r:embed="rId1"/>
           <a:stretch>
             <a:fillRect/>
           </a:stretch>
         </p:blipFill>
         <p:spPr bwMode="auto">
           <a:xfrm>
-            <a:off x="558800" y="127000"/>
-            <a:ext cx="11023600" cy="6540500"/>
+            <a:off x="977900" y="127000"/>
+            <a:ext cx="10160000" cy="6032500"/>
           </a:xfrm>
           <a:prstGeom prst="rect">
             <a:avLst/>
@@ -5057,13 +5102,43 @@
           <a:noFill/>
           <a:ln w="9525">
             <a:noFill/>
-            <a:headEnd/>
-            <a:tailEnd/>
           </a:ln>
         </p:spPr>
       </p:pic>
+      <p:sp>
+        <p:nvSpPr>
+          <p:cNvPr id="2" name="TextBox 3"/>
+          <p:cNvSpPr txBox="1"/>
+          <p:nvPr/>
+        </p:nvSpPr>
+        <p:spPr>
+          <a:xfrm>
+            <a:off x="177800" y="6159500"/>
+            <a:ext cx="11772900" cy="508000"/>
+          </a:xfrm>
+          <a:prstGeom prst="rect">
+            <a:avLst/>
+          </a:prstGeom>
+          <a:noFill/>
+        </p:spPr>
+        <p:txBody>
+          <a:bodyPr/>
+          <a:lstStyle/>
+          <a:p>
+            <a:pPr marL="0" lvl="0" indent="0" algn="ctr">
+              <a:buNone/>
+            </a:pPr>
+            <a:r>
+              <a:t>Peridiogramas</a:t>
+            </a:r>
+          </a:p>
+        </p:txBody>
+      </p:sp>
     </p:spTree>
   </p:cSld>
+  <p:clrMapOvr>
+    <a:masterClrMapping/>
+  </p:clrMapOvr>
 </p:sld>
 </file>
 
@@ -5086,22 +5161,22 @@
       </p:grpSpPr>
       <p:pic>
         <p:nvPicPr>
-          <p:cNvPr descr="fig/19-covariabilidad-raphael/unnamed-chunk-11-1.png" id="0" name="Picture 1"/>
+          <p:cNvPr id="0" name="Picture 1" descr="fig/19-covariabilidad-raphael/unnamed-chunk-12-1.png"/>
           <p:cNvPicPr>
             <a:picLocks noGrp="1" noChangeAspect="1"/>
           </p:cNvPicPr>
           <p:nvPr/>
         </p:nvPicPr>
         <p:blipFill>
-          <a:blip r:embed="rId2"/>
+          <a:blip r:embed="rId1"/>
           <a:stretch>
             <a:fillRect/>
           </a:stretch>
         </p:blipFill>
         <p:spPr bwMode="auto">
           <a:xfrm>
-            <a:off x="558800" y="127000"/>
-            <a:ext cx="11023600" cy="6540500"/>
+            <a:off x="977900" y="127000"/>
+            <a:ext cx="10160000" cy="6032500"/>
           </a:xfrm>
           <a:prstGeom prst="rect">
             <a:avLst/>
@@ -5109,13 +5184,453 @@
           <a:noFill/>
           <a:ln w="9525">
             <a:noFill/>
-            <a:headEnd/>
-            <a:tailEnd/>
           </a:ln>
         </p:spPr>
       </p:pic>
+      <p:sp>
+        <p:nvSpPr>
+          <p:cNvPr id="2" name="TextBox 3"/>
+          <p:cNvSpPr txBox="1"/>
+          <p:nvPr/>
+        </p:nvSpPr>
+        <p:spPr>
+          <a:xfrm>
+            <a:off x="177800" y="6159500"/>
+            <a:ext cx="11772900" cy="508000"/>
+          </a:xfrm>
+          <a:prstGeom prst="rect">
+            <a:avLst/>
+          </a:prstGeom>
+          <a:noFill/>
+        </p:spPr>
+        <p:txBody>
+          <a:bodyPr/>
+          <a:lstStyle/>
+          <a:p>
+            <a:pPr marL="0" lvl="0" indent="0" algn="ctr">
+              <a:buNone/>
+            </a:pPr>
+            <a:r>
+              <a:t>Ciclo anual de cada EOF</a:t>
+            </a:r>
+          </a:p>
+        </p:txBody>
+      </p:sp>
     </p:spTree>
   </p:cSld>
+  <p:clrMapOvr>
+    <a:masterClrMapping/>
+  </p:clrMapOvr>
+</p:sld>
+</file>
+
+<file path=ppt/slides/slide15.xml><?xml version="1.0" encoding="utf-8"?>
+<p:sld xmlns:a="http://schemas.openxmlformats.org/drawingml/2006/main" xmlns:r="http://schemas.openxmlformats.org/officeDocument/2006/relationships" xmlns:p="http://schemas.openxmlformats.org/presentationml/2006/main">
+  <p:cSld>
+    <p:spTree>
+      <p:nvGrpSpPr>
+        <p:cNvPr id="1" name=""/>
+        <p:cNvGrpSpPr/>
+        <p:nvPr/>
+      </p:nvGrpSpPr>
+      <p:grpSpPr>
+        <a:xfrm>
+          <a:off x="0" y="0"/>
+          <a:ext cx="0" cy="0"/>
+          <a:chOff x="0" y="0"/>
+          <a:chExt cx="0" cy="0"/>
+        </a:xfrm>
+      </p:grpSpPr>
+      <p:pic>
+        <p:nvPicPr>
+          <p:cNvPr id="0" name="Picture 1" descr="fig/19-covariabilidad-raphael/unnamed-chunk-13-1.png"/>
+          <p:cNvPicPr>
+            <a:picLocks noGrp="1" noChangeAspect="1"/>
+          </p:cNvPicPr>
+          <p:nvPr/>
+        </p:nvPicPr>
+        <p:blipFill>
+          <a:blip r:embed="rId1"/>
+          <a:stretch>
+            <a:fillRect/>
+          </a:stretch>
+        </p:blipFill>
+        <p:spPr bwMode="auto">
+          <a:xfrm>
+            <a:off x="977900" y="127000"/>
+            <a:ext cx="10160000" cy="6032500"/>
+          </a:xfrm>
+          <a:prstGeom prst="rect">
+            <a:avLst/>
+          </a:prstGeom>
+          <a:noFill/>
+          <a:ln w="9525">
+            <a:noFill/>
+          </a:ln>
+        </p:spPr>
+      </p:pic>
+      <p:sp>
+        <p:nvSpPr>
+          <p:cNvPr id="2" name="TextBox 3"/>
+          <p:cNvSpPr txBox="1"/>
+          <p:nvPr/>
+        </p:nvSpPr>
+        <p:spPr>
+          <a:xfrm>
+            <a:off x="177800" y="6159500"/>
+            <a:ext cx="11772900" cy="508000"/>
+          </a:xfrm>
+          <a:prstGeom prst="rect">
+            <a:avLst/>
+          </a:prstGeom>
+          <a:noFill/>
+        </p:spPr>
+        <p:txBody>
+          <a:bodyPr/>
+          <a:lstStyle/>
+          <a:p>
+            <a:pPr marL="0" lvl="0" indent="0" algn="ctr">
+              <a:buNone/>
+            </a:pPr>
+            <a:r>
+              <a:t>Peridiograma de la amplitud</a:t>
+            </a:r>
+          </a:p>
+        </p:txBody>
+      </p:sp>
+    </p:spTree>
+  </p:cSld>
+  <p:clrMapOvr>
+    <a:masterClrMapping/>
+  </p:clrMapOvr>
+</p:sld>
+</file>
+
+<file path=ppt/slides/slide16.xml><?xml version="1.0" encoding="utf-8"?>
+<p:sld xmlns:a="http://schemas.openxmlformats.org/drawingml/2006/main" xmlns:r="http://schemas.openxmlformats.org/officeDocument/2006/relationships" xmlns:p="http://schemas.openxmlformats.org/presentationml/2006/main">
+  <p:cSld>
+    <p:spTree>
+      <p:nvGrpSpPr>
+        <p:cNvPr id="1" name=""/>
+        <p:cNvGrpSpPr/>
+        <p:nvPr/>
+      </p:nvGrpSpPr>
+      <p:grpSpPr>
+        <a:xfrm>
+          <a:off x="0" y="0"/>
+          <a:ext cx="0" cy="0"/>
+          <a:chOff x="0" y="0"/>
+          <a:chExt cx="0" cy="0"/>
+        </a:xfrm>
+      </p:grpSpPr>
+      <p:pic>
+        <p:nvPicPr>
+          <p:cNvPr id="0" name="Picture 1" descr="fig/19-covariabilidad-raphael/unnamed-chunk-14-1.png"/>
+          <p:cNvPicPr>
+            <a:picLocks noGrp="1" noChangeAspect="1"/>
+          </p:cNvPicPr>
+          <p:nvPr/>
+        </p:nvPicPr>
+        <p:blipFill>
+          <a:blip r:embed="rId1"/>
+          <a:stretch>
+            <a:fillRect/>
+          </a:stretch>
+        </p:blipFill>
+        <p:spPr bwMode="auto">
+          <a:xfrm>
+            <a:off x="977900" y="127000"/>
+            <a:ext cx="10160000" cy="6032500"/>
+          </a:xfrm>
+          <a:prstGeom prst="rect">
+            <a:avLst/>
+          </a:prstGeom>
+          <a:noFill/>
+          <a:ln w="9525">
+            <a:noFill/>
+          </a:ln>
+        </p:spPr>
+      </p:pic>
+      <p:sp>
+        <p:nvSpPr>
+          <p:cNvPr id="2" name="TextBox 3"/>
+          <p:cNvSpPr txBox="1"/>
+          <p:nvPr/>
+        </p:nvSpPr>
+        <p:spPr>
+          <a:xfrm>
+            <a:off x="177800" y="6159500"/>
+            <a:ext cx="11772900" cy="508000"/>
+          </a:xfrm>
+          <a:prstGeom prst="rect">
+            <a:avLst/>
+          </a:prstGeom>
+          <a:noFill/>
+        </p:spPr>
+        <p:txBody>
+          <a:bodyPr/>
+          <a:lstStyle/>
+          <a:p>
+            <a:pPr marL="0" lvl="0" indent="0" algn="ctr">
+              <a:buNone/>
+            </a:pPr>
+            <a:r>
+              <a:t>Ciclo anual de la amplitud</a:t>
+            </a:r>
+          </a:p>
+        </p:txBody>
+      </p:sp>
+    </p:spTree>
+  </p:cSld>
+  <p:clrMapOvr>
+    <a:masterClrMapping/>
+  </p:clrMapOvr>
+</p:sld>
+</file>
+
+<file path=ppt/slides/slide17.xml><?xml version="1.0" encoding="utf-8"?>
+<p:sld xmlns:a="http://schemas.openxmlformats.org/drawingml/2006/main" xmlns:r="http://schemas.openxmlformats.org/officeDocument/2006/relationships" xmlns:p="http://schemas.openxmlformats.org/presentationml/2006/main">
+  <p:cSld>
+    <p:spTree>
+      <p:nvGrpSpPr>
+        <p:cNvPr id="1" name=""/>
+        <p:cNvGrpSpPr/>
+        <p:nvPr/>
+      </p:nvGrpSpPr>
+      <p:grpSpPr>
+        <a:xfrm>
+          <a:off x="0" y="0"/>
+          <a:ext cx="0" cy="0"/>
+          <a:chOff x="0" y="0"/>
+          <a:chExt cx="0" cy="0"/>
+        </a:xfrm>
+      </p:grpSpPr>
+      <p:pic>
+        <p:nvPicPr>
+          <p:cNvPr id="0" name="Picture 1" descr="fig/19-covariabilidad-raphael/unnamed-chunk-15-1.png"/>
+          <p:cNvPicPr>
+            <a:picLocks noGrp="1" noChangeAspect="1"/>
+          </p:cNvPicPr>
+          <p:nvPr/>
+        </p:nvPicPr>
+        <p:blipFill>
+          <a:blip r:embed="rId1"/>
+          <a:stretch>
+            <a:fillRect/>
+          </a:stretch>
+        </p:blipFill>
+        <p:spPr bwMode="auto">
+          <a:xfrm>
+            <a:off x="977900" y="127000"/>
+            <a:ext cx="10160000" cy="6032500"/>
+          </a:xfrm>
+          <a:prstGeom prst="rect">
+            <a:avLst/>
+          </a:prstGeom>
+          <a:noFill/>
+          <a:ln w="9525">
+            <a:noFill/>
+          </a:ln>
+        </p:spPr>
+      </p:pic>
+      <p:sp>
+        <p:nvSpPr>
+          <p:cNvPr id="2" name="TextBox 3"/>
+          <p:cNvSpPr txBox="1"/>
+          <p:nvPr/>
+        </p:nvSpPr>
+        <p:spPr>
+          <a:xfrm>
+            <a:off x="177800" y="6159500"/>
+            <a:ext cx="11772900" cy="508000"/>
+          </a:xfrm>
+          <a:prstGeom prst="rect">
+            <a:avLst/>
+          </a:prstGeom>
+          <a:noFill/>
+        </p:spPr>
+        <p:txBody>
+          <a:bodyPr/>
+          <a:lstStyle/>
+          <a:p>
+            <a:pPr marL="0" lvl="0" indent="0" algn="ctr">
+              <a:buNone/>
+            </a:pPr>
+            <a:r>
+              <a:t>Ciclo anual de la fase (para casos con magnitud &gt;= 0.0025)</a:t>
+            </a:r>
+          </a:p>
+        </p:txBody>
+      </p:sp>
+    </p:spTree>
+  </p:cSld>
+  <p:clrMapOvr>
+    <a:masterClrMapping/>
+  </p:clrMapOvr>
+</p:sld>
+</file>
+
+<file path=ppt/slides/slide18.xml><?xml version="1.0" encoding="utf-8"?>
+<p:sld xmlns:a="http://schemas.openxmlformats.org/drawingml/2006/main" xmlns:r="http://schemas.openxmlformats.org/officeDocument/2006/relationships" xmlns:p="http://schemas.openxmlformats.org/presentationml/2006/main">
+  <p:cSld>
+    <p:spTree>
+      <p:nvGrpSpPr>
+        <p:cNvPr id="1" name=""/>
+        <p:cNvGrpSpPr/>
+        <p:nvPr/>
+      </p:nvGrpSpPr>
+      <p:grpSpPr>
+        <a:xfrm>
+          <a:off x="0" y="0"/>
+          <a:ext cx="0" cy="0"/>
+          <a:chOff x="0" y="0"/>
+          <a:chExt cx="0" cy="0"/>
+        </a:xfrm>
+      </p:grpSpPr>
+      <p:pic>
+        <p:nvPicPr>
+          <p:cNvPr id="0" name="Picture 1" descr="fig/19-covariabilidad-raphael/unnamed-chunk-16-1.png"/>
+          <p:cNvPicPr>
+            <a:picLocks noGrp="1" noChangeAspect="1"/>
+          </p:cNvPicPr>
+          <p:nvPr/>
+        </p:nvPicPr>
+        <p:blipFill>
+          <a:blip r:embed="rId1"/>
+          <a:stretch>
+            <a:fillRect/>
+          </a:stretch>
+        </p:blipFill>
+        <p:spPr bwMode="auto">
+          <a:xfrm>
+            <a:off x="977900" y="127000"/>
+            <a:ext cx="10160000" cy="6032500"/>
+          </a:xfrm>
+          <a:prstGeom prst="rect">
+            <a:avLst/>
+          </a:prstGeom>
+          <a:noFill/>
+          <a:ln w="9525">
+            <a:noFill/>
+          </a:ln>
+        </p:spPr>
+      </p:pic>
+      <p:sp>
+        <p:nvSpPr>
+          <p:cNvPr id="2" name="TextBox 3"/>
+          <p:cNvSpPr txBox="1"/>
+          <p:nvPr/>
+        </p:nvSpPr>
+        <p:spPr>
+          <a:xfrm>
+            <a:off x="177800" y="6159500"/>
+            <a:ext cx="11772900" cy="508000"/>
+          </a:xfrm>
+          <a:prstGeom prst="rect">
+            <a:avLst/>
+          </a:prstGeom>
+          <a:noFill/>
+        </p:spPr>
+        <p:txBody>
+          <a:bodyPr/>
+          <a:lstStyle/>
+          <a:p>
+            <a:pPr marL="0" lvl="0" indent="0" algn="ctr">
+              <a:buNone/>
+            </a:pPr>
+            <a:r>
+              <a:t>Densidad de phase.</a:t>
+            </a:r>
+          </a:p>
+        </p:txBody>
+      </p:sp>
+    </p:spTree>
+  </p:cSld>
+  <p:clrMapOvr>
+    <a:masterClrMapping/>
+  </p:clrMapOvr>
+</p:sld>
+</file>
+
+<file path=ppt/slides/slide19.xml><?xml version="1.0" encoding="utf-8"?>
+<p:sld xmlns:a="http://schemas.openxmlformats.org/drawingml/2006/main" xmlns:r="http://schemas.openxmlformats.org/officeDocument/2006/relationships" xmlns:p="http://schemas.openxmlformats.org/presentationml/2006/main">
+  <p:cSld>
+    <p:spTree>
+      <p:nvGrpSpPr>
+        <p:cNvPr id="1" name=""/>
+        <p:cNvGrpSpPr/>
+        <p:nvPr/>
+      </p:nvGrpSpPr>
+      <p:grpSpPr>
+        <a:xfrm>
+          <a:off x="0" y="0"/>
+          <a:ext cx="0" cy="0"/>
+          <a:chOff x="0" y="0"/>
+          <a:chExt cx="0" cy="0"/>
+        </a:xfrm>
+      </p:grpSpPr>
+      <p:pic>
+        <p:nvPicPr>
+          <p:cNvPr id="0" name="Picture 1" descr="fig/19-covariabilidad-raphael/unnamed-chunk-17-1.png"/>
+          <p:cNvPicPr>
+            <a:picLocks noGrp="1" noChangeAspect="1"/>
+          </p:cNvPicPr>
+          <p:nvPr/>
+        </p:nvPicPr>
+        <p:blipFill>
+          <a:blip r:embed="rId1"/>
+          <a:stretch>
+            <a:fillRect/>
+          </a:stretch>
+        </p:blipFill>
+        <p:spPr bwMode="auto">
+          <a:xfrm>
+            <a:off x="977900" y="127000"/>
+            <a:ext cx="10160000" cy="6032500"/>
+          </a:xfrm>
+          <a:prstGeom prst="rect">
+            <a:avLst/>
+          </a:prstGeom>
+          <a:noFill/>
+          <a:ln w="9525">
+            <a:noFill/>
+          </a:ln>
+        </p:spPr>
+      </p:pic>
+      <p:sp>
+        <p:nvSpPr>
+          <p:cNvPr id="2" name="TextBox 3"/>
+          <p:cNvSpPr txBox="1"/>
+          <p:nvPr/>
+        </p:nvSpPr>
+        <p:spPr>
+          <a:xfrm>
+            <a:off x="177800" y="6159500"/>
+            <a:ext cx="11772900" cy="508000"/>
+          </a:xfrm>
+          <a:prstGeom prst="rect">
+            <a:avLst/>
+          </a:prstGeom>
+          <a:noFill/>
+        </p:spPr>
+        <p:txBody>
+          <a:bodyPr/>
+          <a:lstStyle/>
+          <a:p>
+            <a:pPr marL="0" lvl="0" indent="0" algn="ctr">
+              <a:buNone/>
+            </a:pPr>
+            <a:r>
+              <a:t>Fase del ciclo anual de R e I.</a:t>
+            </a:r>
+          </a:p>
+        </p:txBody>
+      </p:sp>
+    </p:spTree>
+  </p:cSld>
+  <p:clrMapOvr>
+    <a:masterClrMapping/>
+  </p:clrMapOvr>
 </p:sld>
 </file>
 
@@ -5151,11 +5666,10 @@
           <a:bodyPr/>
           <a:lstStyle/>
           <a:p>
-            <a:pPr lvl="0" marL="0" indent="0">
+            <a:pPr marL="0" lvl="0" indent="0">
               <a:buNone/>
             </a:pPr>
             <a:r>
-              <a:rPr/>
               <a:t>La idea de esto es explorar un poco la suposición de que la onda 3 es covariante en todo el hemisferio. Para eso, voy a agarrar el índice de Raphael que es el promedio de la anomalía estandarizada en tres puntos que coinciden con el máximo climatológico de la onda 3.</a:t>
             </a:r>
           </a:p>
@@ -5163,6 +5677,9 @@
       </p:sp>
     </p:spTree>
   </p:cSld>
+  <p:clrMapOvr>
+    <a:masterClrMapping/>
+  </p:clrMapOvr>
 </p:sld>
 </file>
 
@@ -5185,14 +5702,14 @@
       </p:grpSpPr>
       <p:pic>
         <p:nvPicPr>
-          <p:cNvPr descr="fig/19-covariabilidad-raphael/compositions-1.png" id="0" name="Picture 1"/>
+          <p:cNvPr id="0" name="Picture 1" descr="fig/19-covariabilidad-raphael/compositions-1.png"/>
           <p:cNvPicPr>
             <a:picLocks noGrp="1" noChangeAspect="1"/>
           </p:cNvPicPr>
           <p:nvPr/>
         </p:nvPicPr>
         <p:blipFill>
-          <a:blip r:embed="rId2"/>
+          <a:blip r:embed="rId1"/>
           <a:stretch>
             <a:fillRect/>
           </a:stretch>
@@ -5208,14 +5725,12 @@
           <a:noFill/>
           <a:ln w="9525">
             <a:noFill/>
-            <a:headEnd/>
-            <a:tailEnd/>
           </a:ln>
         </p:spPr>
       </p:pic>
       <p:sp>
         <p:nvSpPr>
-          <p:cNvPr id="1" name="TextBox 3"/>
+          <p:cNvPr id="2" name="TextBox 3"/>
           <p:cNvSpPr txBox="1"/>
           <p:nvPr/>
         </p:nvSpPr>
@@ -5233,234 +5748,20 @@
           <a:bodyPr/>
           <a:lstStyle/>
           <a:p>
-            <a:pPr lvl="0" marL="0" indent="0" algn="ctr">
+            <a:pPr marL="0" lvl="0" indent="0" algn="ctr">
               <a:buNone/>
             </a:pPr>
             <a:r>
-              <a:rPr/>
-              <a:t>Composiciones</a:t>
-            </a:r>
-            <a:r>
-              <a:rPr/>
-              <a:t> </a:t>
-            </a:r>
-            <a:r>
-              <a:rPr/>
-              <a:t>de</a:t>
-            </a:r>
-            <a:r>
-              <a:rPr/>
-              <a:t> </a:t>
-            </a:r>
-            <a:r>
-              <a:rPr/>
-              <a:t>anomalias</a:t>
-            </a:r>
-            <a:r>
-              <a:rPr/>
-              <a:t> </a:t>
-            </a:r>
-            <a:r>
-              <a:rPr/>
-              <a:t>zonales</a:t>
-            </a:r>
-            <a:r>
-              <a:rPr/>
-              <a:t> </a:t>
-            </a:r>
-            <a:r>
-              <a:rPr/>
-              <a:t>de</a:t>
-            </a:r>
-            <a:r>
-              <a:rPr/>
-              <a:t> </a:t>
-            </a:r>
-            <a:r>
-              <a:rPr/>
-              <a:t>geopotencial</a:t>
-            </a:r>
-            <a:r>
-              <a:rPr/>
-              <a:t> </a:t>
-            </a:r>
-            <a:r>
-              <a:rPr/>
-              <a:t>para</a:t>
-            </a:r>
-            <a:r>
-              <a:rPr/>
-              <a:t> </a:t>
-            </a:r>
-            <a:r>
-              <a:rPr/>
-              <a:t>la</a:t>
-            </a:r>
-            <a:r>
-              <a:rPr/>
-              <a:t> </a:t>
-            </a:r>
-            <a:r>
-              <a:rPr/>
-              <a:t>fase</a:t>
-            </a:r>
-            <a:r>
-              <a:rPr/>
-              <a:t> </a:t>
-            </a:r>
-            <a:r>
-              <a:rPr/>
-              <a:t>positiva</a:t>
-            </a:r>
-            <a:r>
-              <a:rPr/>
-              <a:t> </a:t>
-            </a:r>
-            <a:r>
-              <a:rPr/>
-              <a:t>y</a:t>
-            </a:r>
-            <a:r>
-              <a:rPr/>
-              <a:t> </a:t>
-            </a:r>
-            <a:r>
-              <a:rPr/>
-              <a:t>negativa</a:t>
-            </a:r>
-            <a:r>
-              <a:rPr/>
-              <a:t> </a:t>
-            </a:r>
-            <a:r>
-              <a:rPr/>
-              <a:t>del</a:t>
-            </a:r>
-            <a:r>
-              <a:rPr/>
-              <a:t> </a:t>
-            </a:r>
-            <a:r>
-              <a:rPr/>
-              <a:t>índice</a:t>
-            </a:r>
-            <a:r>
-              <a:rPr/>
-              <a:t> </a:t>
-            </a:r>
-            <a:r>
-              <a:rPr/>
-              <a:t>ZW3.</a:t>
-            </a:r>
-            <a:r>
-              <a:rPr/>
-              <a:t> </a:t>
-            </a:r>
-            <a:r>
-              <a:rPr/>
-              <a:t>En</a:t>
-            </a:r>
-            <a:r>
-              <a:rPr/>
-              <a:t> </a:t>
-            </a:r>
-            <a:r>
-              <a:rPr/>
-              <a:t>contornos</a:t>
-            </a:r>
-            <a:r>
-              <a:rPr/>
-              <a:t> </a:t>
-            </a:r>
-            <a:r>
-              <a:rPr/>
-              <a:t>el</a:t>
-            </a:r>
-            <a:r>
-              <a:rPr/>
-              <a:t> </a:t>
-            </a:r>
-            <a:r>
-              <a:rPr/>
-              <a:t>campo</a:t>
-            </a:r>
-            <a:r>
-              <a:rPr/>
-              <a:t> </a:t>
-            </a:r>
-            <a:r>
-              <a:rPr/>
-              <a:t>total,</a:t>
-            </a:r>
-            <a:r>
-              <a:rPr/>
-              <a:t> </a:t>
-            </a:r>
-            <a:r>
-              <a:rPr/>
-              <a:t>en</a:t>
-            </a:r>
-            <a:r>
-              <a:rPr/>
-              <a:t> </a:t>
-            </a:r>
-            <a:r>
-              <a:rPr/>
-              <a:t>sombreado,</a:t>
-            </a:r>
-            <a:r>
-              <a:rPr/>
-              <a:t> </a:t>
-            </a:r>
-            <a:r>
-              <a:rPr/>
-              <a:t>el</a:t>
-            </a:r>
-            <a:r>
-              <a:rPr/>
-              <a:t> </a:t>
-            </a:r>
-            <a:r>
-              <a:rPr/>
-              <a:t>campo</a:t>
-            </a:r>
-            <a:r>
-              <a:rPr/>
-              <a:t> </a:t>
-            </a:r>
-            <a:r>
-              <a:rPr/>
-              <a:t>sin</a:t>
-            </a:r>
-            <a:r>
-              <a:rPr/>
-              <a:t> </a:t>
-            </a:r>
-            <a:r>
-              <a:rPr/>
-              <a:t>la</a:t>
-            </a:r>
-            <a:r>
-              <a:rPr/>
-              <a:t> </a:t>
-            </a:r>
-            <a:r>
-              <a:rPr/>
-              <a:t>onda</a:t>
-            </a:r>
-            <a:r>
-              <a:rPr/>
-              <a:t> </a:t>
-            </a:r>
-            <a:r>
-              <a:rPr/>
-              <a:t>1.</a:t>
+              <a:t>Composiciones de anomalias zonales de geopotencial para la fase positiva y negativa del índice ZW3. En contornos el campo total, en sombreado, el campo sin la onda 1.</a:t>
             </a:r>
           </a:p>
         </p:txBody>
       </p:sp>
     </p:spTree>
   </p:cSld>
+  <p:clrMapOvr>
+    <a:masterClrMapping/>
+  </p:clrMapOvr>
 </p:sld>
 </file>
 
@@ -5496,20 +5797,18 @@
           <a:bodyPr/>
           <a:lstStyle/>
           <a:p>
-            <a:pPr lvl="0" marL="0" indent="0">
+            <a:pPr marL="0" lvl="0" indent="0">
               <a:buNone/>
             </a:pPr>
             <a:r>
-              <a:rPr/>
               <a:t>Las composiciones muestran que la fase “positiva” hay una onda 3 y en la negativa, no hay nada. Es decir, no hay una onda 3 “negativa”.</a:t>
             </a:r>
           </a:p>
           <a:p>
-            <a:pPr lvl="0" marL="0" indent="0">
+            <a:pPr marL="0" lvl="0" indent="0">
               <a:buNone/>
             </a:pPr>
             <a:r>
-              <a:rPr/>
               <a:t>Todo bien. Pero, ¿cuán covariables son esos puntos en realidad?</a:t>
             </a:r>
           </a:p>
@@ -5517,6 +5816,9 @@
       </p:sp>
     </p:spTree>
   </p:cSld>
+  <p:clrMapOvr>
+    <a:masterClrMapping/>
+  </p:clrMapOvr>
 </p:sld>
 </file>
 
@@ -5569,11 +5871,10 @@
                     <a:bodyPr/>
                     <a:lstStyle/>
                     <a:p>
-                      <a:pPr lvl="0" marL="0" indent="0" algn="l">
+                      <a:pPr marL="0" lvl="0" indent="0" algn="l">
                         <a:buNone/>
                       </a:pPr>
                       <a:r>
-                        <a:rPr/>
                         <a:t>item1</a:t>
                       </a:r>
                     </a:p>
@@ -5585,11 +5886,10 @@
                     <a:bodyPr/>
                     <a:lstStyle/>
                     <a:p>
-                      <a:pPr lvl="0" marL="0" indent="0" algn="r">
+                      <a:pPr marL="0" lvl="0" indent="0" algn="r">
                         <a:buNone/>
                       </a:pPr>
                       <a:r>
-                        <a:rPr/>
                         <a:t>50</a:t>
                       </a:r>
                     </a:p>
@@ -5601,11 +5901,10 @@
                     <a:bodyPr/>
                     <a:lstStyle/>
                     <a:p>
-                      <a:pPr lvl="0" marL="0" indent="0" algn="r">
+                      <a:pPr marL="0" lvl="0" indent="0" algn="r">
                         <a:buNone/>
                       </a:pPr>
                       <a:r>
-                        <a:rPr/>
                         <a:t>165</a:t>
                       </a:r>
                     </a:p>
@@ -5617,11 +5916,10 @@
                     <a:bodyPr/>
                     <a:lstStyle/>
                     <a:p>
-                      <a:pPr lvl="0" marL="0" indent="0" algn="r">
+                      <a:pPr marL="0" lvl="0" indent="0" algn="r">
                         <a:buNone/>
                       </a:pPr>
                       <a:r>
-                        <a:rPr/>
                         <a:t>285</a:t>
                       </a:r>
                     </a:p>
@@ -5635,60 +5933,60 @@
                     <a:bodyPr/>
                     <a:lstStyle/>
                     <a:p>
-                      <a:pPr lvl="0" marL="0" indent="0" algn="l">
+                      <a:pPr marL="0" lvl="0" indent="0" algn="l">
                         <a:buNone/>
                       </a:pPr>
                       <a:r>
-                        <a:rPr/>
                         <a:t>50</a:t>
                       </a:r>
                     </a:p>
                   </a:txBody>
+                  <a:tcPr/>
                 </a:tc>
                 <a:tc>
                   <a:txBody>
                     <a:bodyPr/>
                     <a:lstStyle/>
                     <a:p>
-                      <a:pPr lvl="0" marL="0" indent="0" algn="r">
+                      <a:pPr marL="0" lvl="0" indent="0" algn="r">
                         <a:buNone/>
                       </a:pPr>
                       <a:r>
-                        <a:rPr/>
                         <a:t>1.000</a:t>
                       </a:r>
                     </a:p>
                   </a:txBody>
+                  <a:tcPr/>
                 </a:tc>
                 <a:tc>
                   <a:txBody>
                     <a:bodyPr/>
                     <a:lstStyle/>
                     <a:p>
-                      <a:pPr lvl="0" marL="0" indent="0" algn="r">
+                      <a:pPr marL="0" lvl="0" indent="0" algn="r">
                         <a:buNone/>
                       </a:pPr>
                       <a:r>
-                        <a:rPr/>
                         <a:t>0.018</a:t>
                       </a:r>
                     </a:p>
                   </a:txBody>
+                  <a:tcPr/>
                 </a:tc>
                 <a:tc>
                   <a:txBody>
                     <a:bodyPr/>
                     <a:lstStyle/>
                     <a:p>
-                      <a:pPr lvl="0" marL="0" indent="0" algn="r">
+                      <a:pPr marL="0" lvl="0" indent="0" algn="r">
                         <a:buNone/>
                       </a:pPr>
                       <a:r>
-                        <a:rPr/>
                         <a:t>-0.130</a:t>
                       </a:r>
                     </a:p>
                   </a:txBody>
+                  <a:tcPr/>
                 </a:tc>
               </a:tr>
               <a:tr h="0">
@@ -5697,60 +5995,60 @@
                     <a:bodyPr/>
                     <a:lstStyle/>
                     <a:p>
-                      <a:pPr lvl="0" marL="0" indent="0" algn="l">
+                      <a:pPr marL="0" lvl="0" indent="0" algn="l">
                         <a:buNone/>
                       </a:pPr>
                       <a:r>
-                        <a:rPr/>
                         <a:t>165</a:t>
                       </a:r>
                     </a:p>
                   </a:txBody>
+                  <a:tcPr/>
                 </a:tc>
                 <a:tc>
                   <a:txBody>
                     <a:bodyPr/>
                     <a:lstStyle/>
                     <a:p>
-                      <a:pPr lvl="0" marL="0" indent="0" algn="r">
+                      <a:pPr marL="0" lvl="0" indent="0" algn="r">
                         <a:buNone/>
                       </a:pPr>
                       <a:r>
-                        <a:rPr/>
                         <a:t>0.018</a:t>
                       </a:r>
                     </a:p>
                   </a:txBody>
+                  <a:tcPr/>
                 </a:tc>
                 <a:tc>
                   <a:txBody>
                     <a:bodyPr/>
                     <a:lstStyle/>
                     <a:p>
-                      <a:pPr lvl="0" marL="0" indent="0" algn="r">
+                      <a:pPr marL="0" lvl="0" indent="0" algn="r">
                         <a:buNone/>
                       </a:pPr>
                       <a:r>
-                        <a:rPr/>
                         <a:t>1.000</a:t>
                       </a:r>
                     </a:p>
                   </a:txBody>
+                  <a:tcPr/>
                 </a:tc>
                 <a:tc>
                   <a:txBody>
                     <a:bodyPr/>
                     <a:lstStyle/>
                     <a:p>
-                      <a:pPr lvl="0" marL="0" indent="0" algn="r">
+                      <a:pPr marL="0" lvl="0" indent="0" algn="r">
                         <a:buNone/>
                       </a:pPr>
                       <a:r>
-                        <a:rPr/>
                         <a:t>0.005</a:t>
                       </a:r>
                     </a:p>
                   </a:txBody>
+                  <a:tcPr/>
                 </a:tc>
               </a:tr>
               <a:tr h="0">
@@ -5759,60 +6057,60 @@
                     <a:bodyPr/>
                     <a:lstStyle/>
                     <a:p>
-                      <a:pPr lvl="0" marL="0" indent="0" algn="l">
+                      <a:pPr marL="0" lvl="0" indent="0" algn="l">
                         <a:buNone/>
                       </a:pPr>
                       <a:r>
-                        <a:rPr/>
                         <a:t>285</a:t>
                       </a:r>
                     </a:p>
                   </a:txBody>
+                  <a:tcPr/>
                 </a:tc>
                 <a:tc>
                   <a:txBody>
                     <a:bodyPr/>
                     <a:lstStyle/>
                     <a:p>
-                      <a:pPr lvl="0" marL="0" indent="0" algn="r">
+                      <a:pPr marL="0" lvl="0" indent="0" algn="r">
                         <a:buNone/>
                       </a:pPr>
                       <a:r>
-                        <a:rPr/>
                         <a:t>-0.130</a:t>
                       </a:r>
                     </a:p>
                   </a:txBody>
+                  <a:tcPr/>
                 </a:tc>
                 <a:tc>
                   <a:txBody>
                     <a:bodyPr/>
                     <a:lstStyle/>
                     <a:p>
-                      <a:pPr lvl="0" marL="0" indent="0" algn="r">
+                      <a:pPr marL="0" lvl="0" indent="0" algn="r">
                         <a:buNone/>
                       </a:pPr>
                       <a:r>
-                        <a:rPr/>
                         <a:t>0.005</a:t>
                       </a:r>
                     </a:p>
                   </a:txBody>
+                  <a:tcPr/>
                 </a:tc>
                 <a:tc>
                   <a:txBody>
                     <a:bodyPr/>
                     <a:lstStyle/>
                     <a:p>
-                      <a:pPr lvl="0" marL="0" indent="0" algn="r">
+                      <a:pPr marL="0" lvl="0" indent="0" algn="r">
                         <a:buNone/>
                       </a:pPr>
                       <a:r>
-                        <a:rPr/>
                         <a:t>1.000</a:t>
                       </a:r>
                     </a:p>
                   </a:txBody>
+                  <a:tcPr/>
                 </a:tc>
               </a:tr>
             </a:tbl>
@@ -5821,7 +6119,7 @@
       </p:graphicFrame>
       <p:sp>
         <p:nvSpPr>
-          <p:cNvPr id="1" name="TextBox 3"/>
+          <p:cNvPr id="2" name="TextBox 3"/>
           <p:cNvSpPr txBox="1"/>
           <p:nvPr/>
         </p:nvSpPr>
@@ -5839,122 +6137,20 @@
           <a:bodyPr/>
           <a:lstStyle/>
           <a:p>
-            <a:pPr lvl="0" marL="0" indent="0" algn="ctr">
+            <a:pPr marL="0" lvl="0" indent="0" algn="ctr">
               <a:buNone/>
             </a:pPr>
             <a:r>
-              <a:rPr/>
-              <a:t>Correlación</a:t>
-            </a:r>
-            <a:r>
-              <a:rPr/>
-              <a:t> </a:t>
-            </a:r>
-            <a:r>
-              <a:rPr/>
-              <a:t>entre</a:t>
-            </a:r>
-            <a:r>
-              <a:rPr/>
-              <a:t> </a:t>
-            </a:r>
-            <a:r>
-              <a:rPr/>
-              <a:t>la</a:t>
-            </a:r>
-            <a:r>
-              <a:rPr/>
-              <a:t> </a:t>
-            </a:r>
-            <a:r>
-              <a:rPr/>
-              <a:t>anomalía</a:t>
-            </a:r>
-            <a:r>
-              <a:rPr/>
-              <a:t> </a:t>
-            </a:r>
-            <a:r>
-              <a:rPr/>
-              <a:t>estandarizada</a:t>
-            </a:r>
-            <a:r>
-              <a:rPr/>
-              <a:t> </a:t>
-            </a:r>
-            <a:r>
-              <a:rPr/>
-              <a:t>de</a:t>
-            </a:r>
-            <a:r>
-              <a:rPr/>
-              <a:t> </a:t>
-            </a:r>
-            <a:r>
-              <a:rPr/>
-              <a:t>geopotential</a:t>
-            </a:r>
-            <a:r>
-              <a:rPr/>
-              <a:t> </a:t>
-            </a:r>
-            <a:r>
-              <a:rPr/>
-              <a:t>en</a:t>
-            </a:r>
-            <a:r>
-              <a:rPr/>
-              <a:t> </a:t>
-            </a:r>
-            <a:r>
-              <a:rPr/>
-              <a:t>los</a:t>
-            </a:r>
-            <a:r>
-              <a:rPr/>
-              <a:t> </a:t>
-            </a:r>
-            <a:r>
-              <a:rPr/>
-              <a:t>tres</a:t>
-            </a:r>
-            <a:r>
-              <a:rPr/>
-              <a:t> </a:t>
-            </a:r>
-            <a:r>
-              <a:rPr/>
-              <a:t>puntos</a:t>
-            </a:r>
-            <a:r>
-              <a:rPr/>
-              <a:t> </a:t>
-            </a:r>
-            <a:r>
-              <a:rPr/>
-              <a:t>considerados</a:t>
-            </a:r>
-            <a:r>
-              <a:rPr/>
-              <a:t> </a:t>
-            </a:r>
-            <a:r>
-              <a:rPr/>
-              <a:t>por</a:t>
-            </a:r>
-            <a:r>
-              <a:rPr/>
-              <a:t> </a:t>
-            </a:r>
-            <a:r>
-              <a:rPr/>
-              <a:t>Raphael.</a:t>
+              <a:t>Correlación entre la anomalía estandarizada de geopotential en los tres puntos considerados por Raphael.</a:t>
             </a:r>
           </a:p>
         </p:txBody>
       </p:sp>
     </p:spTree>
   </p:cSld>
+  <p:clrMapOvr>
+    <a:masterClrMapping/>
+  </p:clrMapOvr>
 </p:sld>
 </file>
 
@@ -5990,20 +6186,18 @@
           <a:bodyPr/>
           <a:lstStyle/>
           <a:p>
-            <a:pPr lvl="0" marL="0" indent="0">
+            <a:pPr marL="0" lvl="0" indent="0">
               <a:buNone/>
             </a:pPr>
             <a:r>
-              <a:rPr/>
               <a:t>Poco y nada. Incluso se puede ver que el punto en 285° tiene correlación NEGATIVA con el punto en 50°. Más aún, los tres puntos tienen el mismo signo de anomalías sólo 23.8% de las veces.</a:t>
             </a:r>
           </a:p>
           <a:p>
-            <a:pPr lvl="0" marL="0" indent="0">
+            <a:pPr marL="0" lvl="0" indent="0">
               <a:buNone/>
             </a:pPr>
             <a:r>
-              <a:rPr/>
               <a:t>Entonces, vayamos de a poco. Tomemos cada punto de Raphael uno a uno y hagamos la correlacióndel campo de geopotential (completo y anomalías zonales).</a:t>
             </a:r>
           </a:p>
@@ -6011,6 +6205,9 @@
       </p:sp>
     </p:spTree>
   </p:cSld>
+  <p:clrMapOvr>
+    <a:masterClrMapping/>
+  </p:clrMapOvr>
 </p:sld>
 </file>
 
@@ -6033,14 +6230,14 @@
       </p:grpSpPr>
       <p:pic>
         <p:nvPicPr>
-          <p:cNvPr descr="fig/19-covariabilidad-raphael/unnamed-chunk-4-1.png" id="0" name="Picture 1"/>
+          <p:cNvPr id="0" name="Picture 1" descr="fig/19-covariabilidad-raphael/unnamed-chunk-4-1.png"/>
           <p:cNvPicPr>
             <a:picLocks noGrp="1" noChangeAspect="1"/>
           </p:cNvPicPr>
           <p:nvPr/>
         </p:nvPicPr>
         <p:blipFill>
-          <a:blip r:embed="rId2"/>
+          <a:blip r:embed="rId1"/>
           <a:stretch>
             <a:fillRect/>
           </a:stretch>
@@ -6056,14 +6253,12 @@
           <a:noFill/>
           <a:ln w="9525">
             <a:noFill/>
-            <a:headEnd/>
-            <a:tailEnd/>
           </a:ln>
         </p:spPr>
       </p:pic>
       <p:sp>
         <p:nvSpPr>
-          <p:cNvPr id="1" name="TextBox 3"/>
+          <p:cNvPr id="2" name="TextBox 3"/>
           <p:cNvSpPr txBox="1"/>
           <p:nvPr/>
         </p:nvSpPr>
@@ -6081,162 +6276,20 @@
           <a:bodyPr/>
           <a:lstStyle/>
           <a:p>
-            <a:pPr lvl="0" marL="0" indent="0" algn="ctr">
+            <a:pPr marL="0" lvl="0" indent="0" algn="ctr">
               <a:buNone/>
             </a:pPr>
             <a:r>
-              <a:rPr/>
-              <a:t>Correlación</a:t>
-            </a:r>
-            <a:r>
-              <a:rPr/>
-              <a:t> </a:t>
-            </a:r>
-            <a:r>
-              <a:rPr/>
-              <a:t>del</a:t>
-            </a:r>
-            <a:r>
-              <a:rPr/>
-              <a:t> </a:t>
-            </a:r>
-            <a:r>
-              <a:rPr/>
-              <a:t>campo</a:t>
-            </a:r>
-            <a:r>
-              <a:rPr/>
-              <a:t> </a:t>
-            </a:r>
-            <a:r>
-              <a:rPr/>
-              <a:t>de</a:t>
-            </a:r>
-            <a:r>
-              <a:rPr/>
-              <a:t> </a:t>
-            </a:r>
-            <a:r>
-              <a:rPr/>
-              <a:t>geopotencial</a:t>
-            </a:r>
-            <a:r>
-              <a:rPr/>
-              <a:t> </a:t>
-            </a:r>
-            <a:r>
-              <a:rPr/>
-              <a:t>(completo</a:t>
-            </a:r>
-            <a:r>
-              <a:rPr/>
-              <a:t> </a:t>
-            </a:r>
-            <a:r>
-              <a:rPr/>
-              <a:t>y</a:t>
-            </a:r>
-            <a:r>
-              <a:rPr/>
-              <a:t> </a:t>
-            </a:r>
-            <a:r>
-              <a:rPr/>
-              <a:t>anomalías</a:t>
-            </a:r>
-            <a:r>
-              <a:rPr/>
-              <a:t> </a:t>
-            </a:r>
-            <a:r>
-              <a:rPr/>
-              <a:t>zonales)</a:t>
-            </a:r>
-            <a:r>
-              <a:rPr/>
-              <a:t> </a:t>
-            </a:r>
-            <a:r>
-              <a:rPr/>
-              <a:t>con</a:t>
-            </a:r>
-            <a:r>
-              <a:rPr/>
-              <a:t> </a:t>
-            </a:r>
-            <a:r>
-              <a:rPr/>
-              <a:t>las</a:t>
-            </a:r>
-            <a:r>
-              <a:rPr/>
-              <a:t> </a:t>
-            </a:r>
-            <a:r>
-              <a:rPr/>
-              <a:t>anomaliás</a:t>
-            </a:r>
-            <a:r>
-              <a:rPr/>
-              <a:t> </a:t>
-            </a:r>
-            <a:r>
-              <a:rPr/>
-              <a:t>estandarizadas</a:t>
-            </a:r>
-            <a:r>
-              <a:rPr/>
-              <a:t> </a:t>
-            </a:r>
-            <a:r>
-              <a:rPr/>
-              <a:t>en</a:t>
-            </a:r>
-            <a:r>
-              <a:rPr/>
-              <a:t> </a:t>
-            </a:r>
-            <a:r>
-              <a:rPr/>
-              <a:t>cada</a:t>
-            </a:r>
-            <a:r>
-              <a:rPr/>
-              <a:t> </a:t>
-            </a:r>
-            <a:r>
-              <a:rPr/>
-              <a:t>punto</a:t>
-            </a:r>
-            <a:r>
-              <a:rPr/>
-              <a:t> </a:t>
-            </a:r>
-            <a:r>
-              <a:rPr/>
-              <a:t>considerado</a:t>
-            </a:r>
-            <a:r>
-              <a:rPr/>
-              <a:t> </a:t>
-            </a:r>
-            <a:r>
-              <a:rPr/>
-              <a:t>por</a:t>
-            </a:r>
-            <a:r>
-              <a:rPr/>
-              <a:t> </a:t>
-            </a:r>
-            <a:r>
-              <a:rPr/>
-              <a:t>Raphael.</a:t>
+              <a:t>Correlación del campo de geopotencial (completo y anomalías zonales) con las anomaliás estandarizadas en cada punto considerado por Raphael.</a:t>
             </a:r>
           </a:p>
         </p:txBody>
       </p:sp>
     </p:spTree>
   </p:cSld>
+  <p:clrMapOvr>
+    <a:masterClrMapping/>
+  </p:clrMapOvr>
 </p:sld>
 </file>
 
@@ -6272,20 +6325,18 @@
           <a:bodyPr/>
           <a:lstStyle/>
           <a:p>
-            <a:pPr lvl="0" marL="0" indent="0">
+            <a:pPr marL="0" lvl="0" indent="0">
               <a:buNone/>
             </a:pPr>
             <a:r>
-              <a:rPr/>
               <a:t>Es notorio que los campos son muy distintos y, además, no hay correlación entre los puntos. El campo asociado a anomalías en el Índico (50°E) no tiene nada que ver con lo que pasa en el pacífico. Los puntos en el pacífico, en cambio, sí tienen un poco de pinta de teleconexión.</a:t>
             </a:r>
           </a:p>
           <a:p>
-            <a:pPr lvl="0" marL="0" indent="0">
+            <a:pPr marL="0" lvl="0" indent="0">
               <a:buNone/>
             </a:pPr>
             <a:r>
-              <a:rPr/>
               <a:t>Otro paso más, ¿qué pasa si juntamos los puntos de a dos?</a:t>
             </a:r>
           </a:p>
@@ -6293,6 +6344,9 @@
       </p:sp>
     </p:spTree>
   </p:cSld>
+  <p:clrMapOvr>
+    <a:masterClrMapping/>
+  </p:clrMapOvr>
 </p:sld>
 </file>
 
@@ -6315,14 +6369,14 @@
       </p:grpSpPr>
       <p:pic>
         <p:nvPicPr>
-          <p:cNvPr descr="fig/19-covariabilidad-raphael/unnamed-chunk-5-1.png" id="0" name="Picture 1"/>
+          <p:cNvPr id="0" name="Picture 1" descr="fig/19-covariabilidad-raphael/unnamed-chunk-5-1.png"/>
           <p:cNvPicPr>
             <a:picLocks noGrp="1" noChangeAspect="1"/>
           </p:cNvPicPr>
           <p:nvPr/>
         </p:nvPicPr>
         <p:blipFill>
-          <a:blip r:embed="rId2"/>
+          <a:blip r:embed="rId1"/>
           <a:stretch>
             <a:fillRect/>
           </a:stretch>
@@ -6338,14 +6392,12 @@
           <a:noFill/>
           <a:ln w="9525">
             <a:noFill/>
-            <a:headEnd/>
-            <a:tailEnd/>
           </a:ln>
         </p:spPr>
       </p:pic>
       <p:sp>
         <p:nvSpPr>
-          <p:cNvPr id="1" name="TextBox 3"/>
+          <p:cNvPr id="2" name="TextBox 3"/>
           <p:cNvSpPr txBox="1"/>
           <p:nvPr/>
         </p:nvSpPr>
@@ -6363,186 +6415,20 @@
           <a:bodyPr/>
           <a:lstStyle/>
           <a:p>
-            <a:pPr lvl="0" marL="0" indent="0" algn="ctr">
+            <a:pPr marL="0" lvl="0" indent="0" algn="ctr">
               <a:buNone/>
             </a:pPr>
             <a:r>
-              <a:rPr/>
-              <a:t>Correlación</a:t>
-            </a:r>
-            <a:r>
-              <a:rPr/>
-              <a:t> </a:t>
-            </a:r>
-            <a:r>
-              <a:rPr/>
-              <a:t>del</a:t>
-            </a:r>
-            <a:r>
-              <a:rPr/>
-              <a:t> </a:t>
-            </a:r>
-            <a:r>
-              <a:rPr/>
-              <a:t>campo</a:t>
-            </a:r>
-            <a:r>
-              <a:rPr/>
-              <a:t> </a:t>
-            </a:r>
-            <a:r>
-              <a:rPr/>
-              <a:t>de</a:t>
-            </a:r>
-            <a:r>
-              <a:rPr/>
-              <a:t> </a:t>
-            </a:r>
-            <a:r>
-              <a:rPr/>
-              <a:t>geopotencial</a:t>
-            </a:r>
-            <a:r>
-              <a:rPr/>
-              <a:t> </a:t>
-            </a:r>
-            <a:r>
-              <a:rPr/>
-              <a:t>(completo</a:t>
-            </a:r>
-            <a:r>
-              <a:rPr/>
-              <a:t> </a:t>
-            </a:r>
-            <a:r>
-              <a:rPr/>
-              <a:t>y</a:t>
-            </a:r>
-            <a:r>
-              <a:rPr/>
-              <a:t> </a:t>
-            </a:r>
-            <a:r>
-              <a:rPr/>
-              <a:t>anomalías</a:t>
-            </a:r>
-            <a:r>
-              <a:rPr/>
-              <a:t> </a:t>
-            </a:r>
-            <a:r>
-              <a:rPr/>
-              <a:t>zonales)</a:t>
-            </a:r>
-            <a:r>
-              <a:rPr/>
-              <a:t> </a:t>
-            </a:r>
-            <a:r>
-              <a:rPr/>
-              <a:t>con</a:t>
-            </a:r>
-            <a:r>
-              <a:rPr/>
-              <a:t> </a:t>
-            </a:r>
-            <a:r>
-              <a:rPr/>
-              <a:t>las</a:t>
-            </a:r>
-            <a:r>
-              <a:rPr/>
-              <a:t> </a:t>
-            </a:r>
-            <a:r>
-              <a:rPr/>
-              <a:t>anomaliás</a:t>
-            </a:r>
-            <a:r>
-              <a:rPr/>
-              <a:t> </a:t>
-            </a:r>
-            <a:r>
-              <a:rPr/>
-              <a:t>estandarizadas</a:t>
-            </a:r>
-            <a:r>
-              <a:rPr/>
-              <a:t> </a:t>
-            </a:r>
-            <a:r>
-              <a:rPr/>
-              <a:t>medias</a:t>
-            </a:r>
-            <a:r>
-              <a:rPr/>
-              <a:t> </a:t>
-            </a:r>
-            <a:r>
-              <a:rPr/>
-              <a:t>entre</a:t>
-            </a:r>
-            <a:r>
-              <a:rPr/>
-              <a:t> </a:t>
-            </a:r>
-            <a:r>
-              <a:rPr/>
-              <a:t>cada</a:t>
-            </a:r>
-            <a:r>
-              <a:rPr/>
-              <a:t> </a:t>
-            </a:r>
-            <a:r>
-              <a:rPr/>
-              <a:t>par</a:t>
-            </a:r>
-            <a:r>
-              <a:rPr/>
-              <a:t> </a:t>
-            </a:r>
-            <a:r>
-              <a:rPr/>
-              <a:t>de</a:t>
-            </a:r>
-            <a:r>
-              <a:rPr/>
-              <a:t> </a:t>
-            </a:r>
-            <a:r>
-              <a:rPr/>
-              <a:t>puntos</a:t>
-            </a:r>
-            <a:r>
-              <a:rPr/>
-              <a:t> </a:t>
-            </a:r>
-            <a:r>
-              <a:rPr/>
-              <a:t>considerado</a:t>
-            </a:r>
-            <a:r>
-              <a:rPr/>
-              <a:t> </a:t>
-            </a:r>
-            <a:r>
-              <a:rPr/>
-              <a:t>por</a:t>
-            </a:r>
-            <a:r>
-              <a:rPr/>
-              <a:t> </a:t>
-            </a:r>
-            <a:r>
-              <a:rPr/>
-              <a:t>Raphael.</a:t>
+              <a:t>Correlación del campo de geopotencial (completo y anomalías zonales) con las anomaliás estandarizadas medias entre cada par de puntos considerado por Raphael.</a:t>
             </a:r>
           </a:p>
         </p:txBody>
       </p:sp>
     </p:spTree>
   </p:cSld>
+  <p:clrMapOvr>
+    <a:masterClrMapping/>
+  </p:clrMapOvr>
 </p:sld>
 </file>
 
